--- a/472_Slides2_40051654.pptx
+++ b/472_Slides2_40051654.pptx
@@ -10605,14 +10605,22 @@
             <a:pPr lvl="1"/>
             <a:r>
               <a:rPr lang="en-US" dirty="0" smtClean="0"/>
-              <a:t>Each move can have a maximum value of 2, since a distance of 3 might only cost 2. ( A distance of 4 might cost 3</a:t>
+              <a:t>Each move can have a maximum value of 2, since a distance of 3 might only cost 2</a:t>
+            </a:r>
+            <a:r>
+              <a:rPr lang="en-US" smtClean="0"/>
+              <a:t>. </a:t>
             </a:r>
           </a:p>
           <a:p>
             <a:pPr lvl="1"/>
             <a:r>
+              <a:rPr lang="en-US" smtClean="0"/>
+              <a:t>Movement </a:t>
+            </a:r>
+            <a:r>
               <a:rPr lang="en-US" dirty="0" smtClean="0"/>
-              <a:t>Movement tile (0) not counted, for efficiency, since there are at least 2 wrong tiles if it isn’t the goal state</a:t>
+              <a:t>tile (0) not counted, for efficiency, since there are at least 2 wrong tiles if it isn’t the goal state</a:t>
             </a:r>
           </a:p>
           <a:p>
